--- a/studentgroup/24/pdf/海報最終版.pptx
+++ b/studentgroup/24/pdf/海報最終版.pptx
@@ -254,7 +254,7 @@
           <a:p>
             <a:fld id="{F5846814-F7BE-432C-9F46-97D7717CF170}" type="datetimeFigureOut">
               <a:rPr lang="zh-TW" altLang="en-US" smtClean="0"/>
-              <a:t>2019/11/21</a:t>
+              <a:t>2019/11/24</a:t>
             </a:fld>
             <a:endParaRPr lang="zh-TW" altLang="en-US"/>
           </a:p>
@@ -424,7 +424,7 @@
           <a:p>
             <a:fld id="{F5846814-F7BE-432C-9F46-97D7717CF170}" type="datetimeFigureOut">
               <a:rPr lang="zh-TW" altLang="en-US" smtClean="0"/>
-              <a:t>2019/11/21</a:t>
+              <a:t>2019/11/24</a:t>
             </a:fld>
             <a:endParaRPr lang="zh-TW" altLang="en-US"/>
           </a:p>
@@ -604,7 +604,7 @@
           <a:p>
             <a:fld id="{F5846814-F7BE-432C-9F46-97D7717CF170}" type="datetimeFigureOut">
               <a:rPr lang="zh-TW" altLang="en-US" smtClean="0"/>
-              <a:t>2019/11/21</a:t>
+              <a:t>2019/11/24</a:t>
             </a:fld>
             <a:endParaRPr lang="zh-TW" altLang="en-US"/>
           </a:p>
@@ -774,7 +774,7 @@
           <a:p>
             <a:fld id="{F5846814-F7BE-432C-9F46-97D7717CF170}" type="datetimeFigureOut">
               <a:rPr lang="zh-TW" altLang="en-US" smtClean="0"/>
-              <a:t>2019/11/21</a:t>
+              <a:t>2019/11/24</a:t>
             </a:fld>
             <a:endParaRPr lang="zh-TW" altLang="en-US"/>
           </a:p>
@@ -1018,7 +1018,7 @@
           <a:p>
             <a:fld id="{F5846814-F7BE-432C-9F46-97D7717CF170}" type="datetimeFigureOut">
               <a:rPr lang="zh-TW" altLang="en-US" smtClean="0"/>
-              <a:t>2019/11/21</a:t>
+              <a:t>2019/11/24</a:t>
             </a:fld>
             <a:endParaRPr lang="zh-TW" altLang="en-US"/>
           </a:p>
@@ -1250,7 +1250,7 @@
           <a:p>
             <a:fld id="{F5846814-F7BE-432C-9F46-97D7717CF170}" type="datetimeFigureOut">
               <a:rPr lang="zh-TW" altLang="en-US" smtClean="0"/>
-              <a:t>2019/11/21</a:t>
+              <a:t>2019/11/24</a:t>
             </a:fld>
             <a:endParaRPr lang="zh-TW" altLang="en-US"/>
           </a:p>
@@ -1617,7 +1617,7 @@
           <a:p>
             <a:fld id="{F5846814-F7BE-432C-9F46-97D7717CF170}" type="datetimeFigureOut">
               <a:rPr lang="zh-TW" altLang="en-US" smtClean="0"/>
-              <a:t>2019/11/21</a:t>
+              <a:t>2019/11/24</a:t>
             </a:fld>
             <a:endParaRPr lang="zh-TW" altLang="en-US"/>
           </a:p>
@@ -1735,7 +1735,7 @@
           <a:p>
             <a:fld id="{F5846814-F7BE-432C-9F46-97D7717CF170}" type="datetimeFigureOut">
               <a:rPr lang="zh-TW" altLang="en-US" smtClean="0"/>
-              <a:t>2019/11/21</a:t>
+              <a:t>2019/11/24</a:t>
             </a:fld>
             <a:endParaRPr lang="zh-TW" altLang="en-US"/>
           </a:p>
@@ -1830,7 +1830,7 @@
           <a:p>
             <a:fld id="{F5846814-F7BE-432C-9F46-97D7717CF170}" type="datetimeFigureOut">
               <a:rPr lang="zh-TW" altLang="en-US" smtClean="0"/>
-              <a:t>2019/11/21</a:t>
+              <a:t>2019/11/24</a:t>
             </a:fld>
             <a:endParaRPr lang="zh-TW" altLang="en-US"/>
           </a:p>
@@ -2107,7 +2107,7 @@
           <a:p>
             <a:fld id="{F5846814-F7BE-432C-9F46-97D7717CF170}" type="datetimeFigureOut">
               <a:rPr lang="zh-TW" altLang="en-US" smtClean="0"/>
-              <a:t>2019/11/21</a:t>
+              <a:t>2019/11/24</a:t>
             </a:fld>
             <a:endParaRPr lang="zh-TW" altLang="en-US"/>
           </a:p>
@@ -2364,7 +2364,7 @@
           <a:p>
             <a:fld id="{F5846814-F7BE-432C-9F46-97D7717CF170}" type="datetimeFigureOut">
               <a:rPr lang="zh-TW" altLang="en-US" smtClean="0"/>
-              <a:t>2019/11/21</a:t>
+              <a:t>2019/11/24</a:t>
             </a:fld>
             <a:endParaRPr lang="zh-TW" altLang="en-US"/>
           </a:p>
@@ -2577,7 +2577,7 @@
           <a:p>
             <a:fld id="{F5846814-F7BE-432C-9F46-97D7717CF170}" type="datetimeFigureOut">
               <a:rPr lang="zh-TW" altLang="en-US" smtClean="0"/>
-              <a:t>2019/11/21</a:t>
+              <a:t>2019/11/24</a:t>
             </a:fld>
             <a:endParaRPr lang="zh-TW" altLang="en-US"/>
           </a:p>
@@ -3091,7 +3091,7 @@
                 <a:latin typeface="標楷體" panose="03000509000000000000" pitchFamily="65" charset="-120"/>
                 <a:ea typeface="標楷體" panose="03000509000000000000" pitchFamily="65" charset="-120"/>
               </a:rPr>
-              <a:t>如阿凡達、猩球掘起</a:t>
+              <a:t>如阿凡達、猩</a:t>
             </a:r>
             <a:r>
               <a:rPr lang="zh-TW" altLang="en-US" sz="4400" dirty="0" smtClean="0">
@@ -3101,7 +3101,17 @@
                 <a:latin typeface="標楷體" panose="03000509000000000000" pitchFamily="65" charset="-120"/>
                 <a:ea typeface="標楷體" panose="03000509000000000000" pitchFamily="65" charset="-120"/>
               </a:rPr>
-              <a:t>等賣座電影</a:t>
+              <a:t>球崛起等</a:t>
+            </a:r>
+            <a:r>
+              <a:rPr lang="zh-TW" altLang="en-US" sz="4400" dirty="0" smtClean="0">
+                <a:solidFill>
+                  <a:prstClr val="black"/>
+                </a:solidFill>
+                <a:latin typeface="標楷體" panose="03000509000000000000" pitchFamily="65" charset="-120"/>
+                <a:ea typeface="標楷體" panose="03000509000000000000" pitchFamily="65" charset="-120"/>
+              </a:rPr>
+              <a:t>賣座電影</a:t>
             </a:r>
             <a:r>
               <a:rPr lang="zh-TW" altLang="en-US" sz="4400" dirty="0">
@@ -3121,7 +3131,17 @@
                 <a:latin typeface="標楷體" panose="03000509000000000000" pitchFamily="65" charset="-120"/>
                 <a:ea typeface="標楷體" panose="03000509000000000000" pitchFamily="65" charset="-120"/>
               </a:rPr>
-              <a:t>透過攝影機</a:t>
+              <a:t>透過攝影機獲取的二</a:t>
+            </a:r>
+            <a:r>
+              <a:rPr lang="zh-TW" altLang="en-US" sz="4400" dirty="0">
+                <a:solidFill>
+                  <a:prstClr val="black"/>
+                </a:solidFill>
+                <a:latin typeface="標楷體" panose="03000509000000000000" pitchFamily="65" charset="-120"/>
+                <a:ea typeface="標楷體" panose="03000509000000000000" pitchFamily="65" charset="-120"/>
+              </a:rPr>
+              <a:t>維影像</a:t>
             </a:r>
             <a:r>
               <a:rPr lang="zh-TW" altLang="en-US" sz="4400" dirty="0" smtClean="0">
@@ -3131,7 +3151,7 @@
                 <a:latin typeface="標楷體" panose="03000509000000000000" pitchFamily="65" charset="-120"/>
                 <a:ea typeface="標楷體" panose="03000509000000000000" pitchFamily="65" charset="-120"/>
               </a:rPr>
-              <a:t>獲取的二</a:t>
+              <a:t>，結合卷</a:t>
             </a:r>
             <a:r>
               <a:rPr lang="zh-TW" altLang="en-US" sz="4400" dirty="0">
@@ -3141,7 +3161,7 @@
                 <a:latin typeface="標楷體" panose="03000509000000000000" pitchFamily="65" charset="-120"/>
                 <a:ea typeface="標楷體" panose="03000509000000000000" pitchFamily="65" charset="-120"/>
               </a:rPr>
-              <a:t>維影像</a:t>
+              <a:t>積神經網路學習的技術，轉換</a:t>
             </a:r>
             <a:r>
               <a:rPr lang="zh-TW" altLang="en-US" sz="4400" dirty="0" smtClean="0">
@@ -3151,7 +3171,7 @@
                 <a:latin typeface="標楷體" panose="03000509000000000000" pitchFamily="65" charset="-120"/>
                 <a:ea typeface="標楷體" panose="03000509000000000000" pitchFamily="65" charset="-120"/>
               </a:rPr>
-              <a:t>，結合卷</a:t>
+              <a:t>成肢體</a:t>
             </a:r>
             <a:r>
               <a:rPr lang="zh-TW" altLang="en-US" sz="4400" dirty="0">
@@ -3161,7 +3181,7 @@
                 <a:latin typeface="標楷體" panose="03000509000000000000" pitchFamily="65" charset="-120"/>
                 <a:ea typeface="標楷體" panose="03000509000000000000" pitchFamily="65" charset="-120"/>
               </a:rPr>
-              <a:t>積神經網路學習的技術，轉換</a:t>
+              <a:t>關節點在三維空間中的位置，進而捕捉人體的</a:t>
             </a:r>
             <a:r>
               <a:rPr lang="zh-TW" altLang="en-US" sz="4400" dirty="0" smtClean="0">
@@ -3171,7 +3191,7 @@
                 <a:latin typeface="標楷體" panose="03000509000000000000" pitchFamily="65" charset="-120"/>
                 <a:ea typeface="標楷體" panose="03000509000000000000" pitchFamily="65" charset="-120"/>
               </a:rPr>
-              <a:t>成肢體</a:t>
+              <a:t>姿態及</a:t>
             </a:r>
             <a:r>
               <a:rPr lang="zh-TW" altLang="en-US" sz="4400" dirty="0">
@@ -3181,47 +3201,7 @@
                 <a:latin typeface="標楷體" panose="03000509000000000000" pitchFamily="65" charset="-120"/>
                 <a:ea typeface="標楷體" panose="03000509000000000000" pitchFamily="65" charset="-120"/>
               </a:rPr>
-              <a:t>關節點在三維空間中的位置，進而捕捉人體</a:t>
-            </a:r>
-            <a:r>
-              <a:rPr lang="zh-TW" altLang="en-US" sz="4400">
-                <a:solidFill>
-                  <a:prstClr val="black"/>
-                </a:solidFill>
-                <a:latin typeface="標楷體" panose="03000509000000000000" pitchFamily="65" charset="-120"/>
-                <a:ea typeface="標楷體" panose="03000509000000000000" pitchFamily="65" charset="-120"/>
-              </a:rPr>
-              <a:t>的</a:t>
-            </a:r>
-            <a:r>
-              <a:rPr lang="zh-TW" altLang="en-US" sz="4400" smtClean="0">
-                <a:solidFill>
-                  <a:prstClr val="black"/>
-                </a:solidFill>
-                <a:latin typeface="標楷體" panose="03000509000000000000" pitchFamily="65" charset="-120"/>
-                <a:ea typeface="標楷體" panose="03000509000000000000" pitchFamily="65" charset="-120"/>
-              </a:rPr>
-              <a:t>姿態及</a:t>
-            </a:r>
-            <a:r>
-              <a:rPr lang="zh-TW" altLang="en-US" sz="4400">
-                <a:solidFill>
-                  <a:prstClr val="black"/>
-                </a:solidFill>
-                <a:latin typeface="標楷體" panose="03000509000000000000" pitchFamily="65" charset="-120"/>
-                <a:ea typeface="標楷體" panose="03000509000000000000" pitchFamily="65" charset="-120"/>
-              </a:rPr>
               <a:t>動作</a:t>
-            </a:r>
-            <a:r>
-              <a:rPr lang="zh-TW" altLang="en-US" sz="4400" smtClean="0">
-                <a:solidFill>
-                  <a:prstClr val="black"/>
-                </a:solidFill>
-                <a:latin typeface="標楷體" panose="03000509000000000000" pitchFamily="65" charset="-120"/>
-                <a:ea typeface="標楷體" panose="03000509000000000000" pitchFamily="65" charset="-120"/>
-              </a:rPr>
-              <a:t>，</a:t>
             </a:r>
             <a:r>
               <a:rPr lang="zh-TW" altLang="en-US" sz="4400" dirty="0" smtClean="0">
@@ -3231,7 +3211,7 @@
                 <a:latin typeface="標楷體" panose="03000509000000000000" pitchFamily="65" charset="-120"/>
                 <a:ea typeface="標楷體" panose="03000509000000000000" pitchFamily="65" charset="-120"/>
               </a:rPr>
-              <a:t>並應用到</a:t>
+              <a:t>，並應用到</a:t>
             </a:r>
             <a:r>
               <a:rPr lang="zh-TW" altLang="en-US" sz="4400" dirty="0" smtClean="0">
